--- a/assets/templates/template.pptx
+++ b/assets/templates/template.pptx
@@ -380,6 +380,52 @@
       </p:grpSpPr>
       <p:sp>
         <p:nvSpPr>
+          <p:cNvPr id="7" name="矩形 6"/>
+          <p:cNvSpPr/>
+          <p:nvPr userDrawn="1"/>
+        </p:nvSpPr>
+        <p:spPr>
+          <a:xfrm>
+            <a:off x="0" y="847724"/>
+            <a:ext cx="9144000" cy="4295775"/>
+          </a:xfrm>
+          <a:prstGeom prst="rect">
+            <a:avLst/>
+          </a:prstGeom>
+          <a:solidFill>
+            <a:schemeClr val="tx1"/>
+          </a:solidFill>
+          <a:ln>
+            <a:noFill/>
+          </a:ln>
+        </p:spPr>
+        <p:style>
+          <a:lnRef idx="2">
+            <a:schemeClr val="accent1">
+              <a:shade val="50000"/>
+            </a:schemeClr>
+          </a:lnRef>
+          <a:fillRef idx="1">
+            <a:schemeClr val="accent1"/>
+          </a:fillRef>
+          <a:effectRef idx="0">
+            <a:schemeClr val="accent1"/>
+          </a:effectRef>
+          <a:fontRef idx="minor">
+            <a:schemeClr val="lt1"/>
+          </a:fontRef>
+        </p:style>
+        <p:txBody>
+          <a:bodyPr rtlCol="0" anchor="ctr"/>
+          <a:lstStyle/>
+          <a:p>
+            <a:pPr algn="ctr"/>
+            <a:endParaRPr lang="zh-CN" altLang="en-US"/>
+          </a:p>
+        </p:txBody>
+      </p:sp>
+      <p:sp>
+        <p:nvSpPr>
           <p:cNvPr id="2" name="标题 1" descr="ea0e1be6-369a-415f-b820-908ca23c0a31"/>
           <p:cNvSpPr>
             <a:spLocks noGrp="1"/>
@@ -552,6 +598,52 @@
           <a:chExt cx="0" cy="0"/>
         </a:xfrm>
       </p:grpSpPr>
+      <p:sp>
+        <p:nvSpPr>
+          <p:cNvPr id="9" name="矩形 8"/>
+          <p:cNvSpPr/>
+          <p:nvPr userDrawn="1"/>
+        </p:nvSpPr>
+        <p:spPr>
+          <a:xfrm>
+            <a:off x="2715764" y="847724"/>
+            <a:ext cx="6428236" cy="4295775"/>
+          </a:xfrm>
+          <a:prstGeom prst="rect">
+            <a:avLst/>
+          </a:prstGeom>
+          <a:solidFill>
+            <a:schemeClr val="tx1"/>
+          </a:solidFill>
+          <a:ln>
+            <a:noFill/>
+          </a:ln>
+        </p:spPr>
+        <p:style>
+          <a:lnRef idx="2">
+            <a:schemeClr val="accent1">
+              <a:shade val="50000"/>
+            </a:schemeClr>
+          </a:lnRef>
+          <a:fillRef idx="1">
+            <a:schemeClr val="accent1"/>
+          </a:fillRef>
+          <a:effectRef idx="0">
+            <a:schemeClr val="accent1"/>
+          </a:effectRef>
+          <a:fontRef idx="minor">
+            <a:schemeClr val="lt1"/>
+          </a:fontRef>
+        </p:style>
+        <p:txBody>
+          <a:bodyPr rtlCol="0" anchor="ctr"/>
+          <a:lstStyle/>
+          <a:p>
+            <a:pPr algn="ctr"/>
+            <a:endParaRPr lang="zh-CN" altLang="en-US"/>
+          </a:p>
+        </p:txBody>
+      </p:sp>
       <p:sp>
         <p:nvSpPr>
           <p:cNvPr id="2" name="标题 1" descr="2359955b-8364-4679-a824-4b0fe6265df2"/>
@@ -1684,35 +1776,35 @@
           <a:p>
             <a:pPr lvl="0"/>
             <a:r>
-              <a:rPr lang="en-US"/>
+              <a:rPr lang="en-US" dirty="0"/>
               <a:t>Click to add text</a:t>
             </a:r>
           </a:p>
           <a:p>
             <a:pPr lvl="1"/>
             <a:r>
-              <a:rPr lang="en-US"/>
+              <a:rPr lang="en-US" dirty="0"/>
               <a:t>Second level</a:t>
             </a:r>
           </a:p>
           <a:p>
             <a:pPr lvl="2"/>
             <a:r>
-              <a:rPr lang="en-US"/>
+              <a:rPr lang="en-US" dirty="0"/>
               <a:t>Third level</a:t>
             </a:r>
           </a:p>
           <a:p>
             <a:pPr lvl="3"/>
             <a:r>
-              <a:rPr lang="en-US"/>
+              <a:rPr lang="en-US" dirty="0"/>
               <a:t>Fourth level</a:t>
             </a:r>
           </a:p>
           <a:p>
             <a:pPr lvl="4"/>
             <a:r>
-              <a:rPr lang="en-US"/>
+              <a:rPr lang="en-US" dirty="0"/>
               <a:t>Fifth level</a:t>
             </a:r>
           </a:p>
@@ -1844,6 +1936,13 @@
     <p:sldLayoutId id="2147483656" r:id="rId5"/>
   </p:sldLayoutIdLst>
   <p:transition/>
+  <p:timing>
+    <p:tnLst>
+      <p:par>
+        <p:cTn id="1" dur="indefinite" restart="never" nodeType="tmRoot"/>
+      </p:par>
+    </p:tnLst>
+  </p:timing>
   <p:txStyles>
     <p:titleStyle>
       <a:lvl1pPr algn="l" defTabSz="685800" rtl="0" eaLnBrk="1" latinLnBrk="0" hangingPunct="1">
@@ -1946,7 +2045,7 @@
         </a:spcBef>
         <a:buFont typeface="Arial" panose="020B0604020202020204" pitchFamily="34" charset="0"/>
         <a:buChar char="•"/>
-        <a:defRPr sz="900" kern="1200">
+        <a:defRPr sz="800" kern="1200">
           <a:solidFill>
             <a:schemeClr val="bg1"/>
           </a:solidFill>

--- a/assets/templates/template.pptx
+++ b/assets/templates/template.pptx
@@ -1,15 +1,21 @@
 
 <file path=ppt/presentation.xml><?xml version="1.0" encoding="utf-8"?>
-<p:presentation xmlns:a="http://schemas.openxmlformats.org/drawingml/2006/main" xmlns:r="http://schemas.openxmlformats.org/officeDocument/2006/relationships" xmlns:p="http://schemas.openxmlformats.org/presentationml/2006/main" saveSubsetFonts="1" autoCompressPictures="0">
+<p:presentation xmlns:a="http://schemas.openxmlformats.org/drawingml/2006/main" xmlns:r="http://schemas.openxmlformats.org/officeDocument/2006/relationships" xmlns:p="http://schemas.openxmlformats.org/presentationml/2006/main" saveSubsetFonts="1">
   <p:sldMasterIdLst>
-    <p:sldMasterId id="2147483650" r:id="rId1"/>
+    <p:sldMasterId id="2147483648" r:id="rId1"/>
   </p:sldMasterIdLst>
   <p:notesMasterIdLst>
     <p:notesMasterId r:id="rId2"/>
   </p:notesMasterIdLst>
-  <p:sldSz cx="9144000" cy="5143500" type="screen16x9"/>
-  <p:notesSz cx="5143500" cy="9144000"/>
+  <p:sldSz cx="12192000" cy="6858000"/>
+  <p:notesSz cx="6858000" cy="9144000"/>
+  <p:custDataLst>
+    <p:tags r:id="rId3"/>
+  </p:custDataLst>
   <p:defaultTextStyle>
+    <a:defPPr>
+      <a:defRPr lang="en-US"/>
+    </a:defPPr>
     <a:lvl1pPr marL="0" algn="l" defTabSz="914400" rtl="0" eaLnBrk="1" latinLnBrk="0" hangingPunct="1">
       <a:defRPr sz="1800" kern="1200">
         <a:solidFill>
@@ -103,7 +109,41 @@
   </p:defaultTextStyle>
   <p:extLst>
     <p:ext uri="{EFAFB233-063F-42B5-8137-9DF3F51BA10A}">
-      <p15:sldGuideLst xmlns:p15="http://schemas.microsoft.com/office/powerpoint/2012/main"/>
+      <p15:sldGuideLst xmlns:p15="http://schemas.microsoft.com/office/powerpoint/2012/main">
+        <p15:guide id="1" pos="416" userDrawn="1">
+          <p15:clr>
+            <a:srgbClr val="A4A3A4"/>
+          </p15:clr>
+        </p15:guide>
+        <p15:guide id="2" pos="7256" userDrawn="1">
+          <p15:clr>
+            <a:srgbClr val="A4A3A4"/>
+          </p15:clr>
+        </p15:guide>
+        <p15:guide id="3" orient="horz" pos="648" userDrawn="1">
+          <p15:clr>
+            <a:srgbClr val="A4A3A4"/>
+          </p15:clr>
+        </p15:guide>
+        <p15:guide id="4" orient="horz" pos="712" userDrawn="1">
+          <p15:clr>
+            <a:srgbClr val="A4A3A4"/>
+          </p15:clr>
+        </p15:guide>
+        <p15:guide id="5" orient="horz" pos="3928" userDrawn="1">
+          <p15:clr>
+            <a:srgbClr val="A4A3A4"/>
+          </p15:clr>
+        </p15:guide>
+        <p15:guide id="6" orient="horz" pos="3864" userDrawn="1">
+          <p15:clr>
+            <a:srgbClr val="A4A3A4"/>
+          </p15:clr>
+        </p15:guide>
+      </p15:sldGuideLst>
+    </p:ext>
+    <p:ext uri="{2D200454-40CA-4A62-9FC3-DE9A4176ACB9}">
+      <p15:notesGuideLst xmlns:p15="http://schemas.microsoft.com/office/powerpoint/2012/main"/>
     </p:ext>
   </p:extLst>
 </p:presentation>
@@ -131,10 +171,227 @@
           <a:chExt cx="0" cy="0"/>
         </a:xfrm>
       </p:grpSpPr>
+      <p:sp>
+        <p:nvSpPr>
+          <p:cNvPr id="2" name="页眉占位符 1"/>
+          <p:cNvSpPr>
+            <a:spLocks noGrp="1"/>
+          </p:cNvSpPr>
+          <p:nvPr>
+            <p:ph type="hdr" sz="quarter"/>
+          </p:nvPr>
+        </p:nvSpPr>
+        <p:spPr>
+          <a:xfrm>
+            <a:off x="0" y="0"/>
+            <a:ext cx="2971800" cy="458788"/>
+          </a:xfrm>
+          <a:prstGeom prst="rect">
+            <a:avLst/>
+          </a:prstGeom>
+        </p:spPr>
+        <p:txBody>
+          <a:bodyPr vert="horz" lIns="91440" tIns="45720" rIns="91440" bIns="45720" rtlCol="0"/>
+          <a:lstStyle>
+            <a:lvl1pPr algn="l">
+              <a:defRPr sz="1200"/>
+            </a:lvl1pPr>
+          </a:lstStyle>
+          <a:p>
+            <a:endParaRPr lang="zh-CN" altLang="en-US"/>
+          </a:p>
+        </p:txBody>
+      </p:sp>
+      <p:sp>
+        <p:nvSpPr>
+          <p:cNvPr id="3" name="日期占位符 2"/>
+          <p:cNvSpPr>
+            <a:spLocks noGrp="1"/>
+          </p:cNvSpPr>
+          <p:nvPr>
+            <p:ph type="dt" idx="1"/>
+          </p:nvPr>
+        </p:nvSpPr>
+        <p:spPr>
+          <a:xfrm>
+            <a:off x="3884613" y="0"/>
+            <a:ext cx="2971800" cy="458788"/>
+          </a:xfrm>
+          <a:prstGeom prst="rect">
+            <a:avLst/>
+          </a:prstGeom>
+        </p:spPr>
+        <p:txBody>
+          <a:bodyPr vert="horz" lIns="91440" tIns="45720" rIns="91440" bIns="45720" rtlCol="0"/>
+          <a:lstStyle>
+            <a:lvl1pPr algn="r">
+              <a:defRPr sz="1200"/>
+            </a:lvl1pPr>
+          </a:lstStyle>
+          <a:p>
+            <a:fld id="{92527015-A187-4A9B-8AD0-CF9654B40057}" type="datetimeFigureOut">
+              <a:rPr lang="zh-CN" altLang="en-US" smtClean="0"/>
+              <a:t>2025/10/23</a:t>
+            </a:fld>
+            <a:endParaRPr lang="zh-CN" altLang="en-US"/>
+          </a:p>
+        </p:txBody>
+      </p:sp>
+      <p:sp>
+        <p:nvSpPr>
+          <p:cNvPr id="4" name="幻灯片图像占位符 3"/>
+          <p:cNvSpPr>
+            <a:spLocks noGrp="1" noRot="1" noChangeAspect="1"/>
+          </p:cNvSpPr>
+          <p:nvPr>
+            <p:ph type="sldImg" idx="2"/>
+          </p:nvPr>
+        </p:nvSpPr>
+        <p:spPr>
+          <a:xfrm>
+            <a:off x="685800" y="1143000"/>
+            <a:ext cx="5486400" cy="3086100"/>
+          </a:xfrm>
+          <a:prstGeom prst="rect">
+            <a:avLst/>
+          </a:prstGeom>
+          <a:noFill/>
+          <a:ln w="12700">
+            <a:solidFill>
+              <a:prstClr val="black"/>
+            </a:solidFill>
+          </a:ln>
+        </p:spPr>
+      </p:sp>
+      <p:sp>
+        <p:nvSpPr>
+          <p:cNvPr id="5" name="备注占位符 4"/>
+          <p:cNvSpPr>
+            <a:spLocks noGrp="1"/>
+          </p:cNvSpPr>
+          <p:nvPr>
+            <p:ph type="body" sz="quarter" idx="3"/>
+          </p:nvPr>
+        </p:nvSpPr>
+        <p:spPr>
+          <a:xfrm>
+            <a:off x="685800" y="4400550"/>
+            <a:ext cx="5486400" cy="3600450"/>
+          </a:xfrm>
+          <a:prstGeom prst="rect">
+            <a:avLst/>
+          </a:prstGeom>
+        </p:spPr>
+        <p:txBody>
+          <a:bodyPr vert="horz" lIns="91440" tIns="45720" rIns="91440" bIns="45720" rtlCol="0"/>
+          <a:lstStyle/>
+          <a:p>
+            <a:pPr lvl="0"/>
+            <a:r>
+              <a:rPr lang="zh-CN" altLang="en-US"/>
+              <a:t>单击此处编辑母版文本样式</a:t>
+            </a:r>
+          </a:p>
+          <a:p>
+            <a:pPr lvl="1"/>
+            <a:r>
+              <a:rPr lang="zh-CN" altLang="en-US"/>
+              <a:t>二级</a:t>
+            </a:r>
+          </a:p>
+          <a:p>
+            <a:pPr lvl="2"/>
+            <a:r>
+              <a:rPr lang="zh-CN" altLang="en-US"/>
+              <a:t>三级</a:t>
+            </a:r>
+          </a:p>
+          <a:p>
+            <a:pPr lvl="3"/>
+            <a:r>
+              <a:rPr lang="zh-CN" altLang="en-US"/>
+              <a:t>四级</a:t>
+            </a:r>
+          </a:p>
+          <a:p>
+            <a:pPr lvl="4"/>
+            <a:r>
+              <a:rPr lang="zh-CN" altLang="en-US"/>
+              <a:t>五级</a:t>
+            </a:r>
+          </a:p>
+        </p:txBody>
+      </p:sp>
+      <p:sp>
+        <p:nvSpPr>
+          <p:cNvPr id="6" name="页脚占位符 5"/>
+          <p:cNvSpPr>
+            <a:spLocks noGrp="1"/>
+          </p:cNvSpPr>
+          <p:nvPr>
+            <p:ph type="ftr" sz="quarter" idx="4"/>
+          </p:nvPr>
+        </p:nvSpPr>
+        <p:spPr>
+          <a:xfrm>
+            <a:off x="0" y="8685213"/>
+            <a:ext cx="2971800" cy="458787"/>
+          </a:xfrm>
+          <a:prstGeom prst="rect">
+            <a:avLst/>
+          </a:prstGeom>
+        </p:spPr>
+        <p:txBody>
+          <a:bodyPr vert="horz" lIns="91440" tIns="45720" rIns="91440" bIns="45720" rtlCol="0" anchor="b"/>
+          <a:lstStyle>
+            <a:lvl1pPr algn="l">
+              <a:defRPr sz="1200"/>
+            </a:lvl1pPr>
+          </a:lstStyle>
+          <a:p>
+            <a:endParaRPr lang="zh-CN" altLang="en-US"/>
+          </a:p>
+        </p:txBody>
+      </p:sp>
+      <p:sp>
+        <p:nvSpPr>
+          <p:cNvPr id="7" name="灯片编号占位符 6"/>
+          <p:cNvSpPr>
+            <a:spLocks noGrp="1"/>
+          </p:cNvSpPr>
+          <p:nvPr>
+            <p:ph type="sldNum" sz="quarter" idx="5"/>
+          </p:nvPr>
+        </p:nvSpPr>
+        <p:spPr>
+          <a:xfrm>
+            <a:off x="3884613" y="8685213"/>
+            <a:ext cx="2971800" cy="458787"/>
+          </a:xfrm>
+          <a:prstGeom prst="rect">
+            <a:avLst/>
+          </a:prstGeom>
+        </p:spPr>
+        <p:txBody>
+          <a:bodyPr vert="horz" lIns="91440" tIns="45720" rIns="91440" bIns="45720" rtlCol="0" anchor="b"/>
+          <a:lstStyle>
+            <a:lvl1pPr algn="r">
+              <a:defRPr sz="1200"/>
+            </a:lvl1pPr>
+          </a:lstStyle>
+          <a:p>
+            <a:fld id="{87577ED5-C9F6-43AA-849E-D8E207013CE7}" type="slidenum">
+              <a:rPr lang="zh-CN" altLang="en-US" smtClean="0"/>
+              <a:t>‹#›</a:t>
+            </a:fld>
+            <a:endParaRPr lang="zh-CN" altLang="en-US"/>
+          </a:p>
+        </p:txBody>
+      </p:sp>
     </p:spTree>
     <p:extLst>
       <p:ext uri="{BB962C8B-B14F-4D97-AF65-F5344CB8AC3E}">
-        <p14:creationId xmlns:p14="http://schemas.microsoft.com/office/powerpoint/2010/main" val="1829936671"/>
+        <p14:creationId xmlns:p14="http://schemas.microsoft.com/office/powerpoint/2010/main" val="1974382772"/>
       </p:ext>
     </p:extLst>
   </p:cSld>
@@ -236,7 +493,7 @@
 
 <file path=ppt/slideLayouts/slideLayout1.xml><?xml version="1.0" encoding="utf-8"?>
 <p:sldLayout xmlns:a="http://schemas.openxmlformats.org/drawingml/2006/main" xmlns:r="http://schemas.openxmlformats.org/officeDocument/2006/relationships" xmlns:p="http://schemas.openxmlformats.org/presentationml/2006/main" preserve="1" userDrawn="1">
-  <p:cSld name="自定义版式">
+  <p:cSld name="Title Slide">
     <p:spTree>
       <p:nvGrpSpPr>
         <p:cNvPr id="1" name=""/>
@@ -253,111 +510,155 @@
       </p:grpSpPr>
       <p:sp>
         <p:nvSpPr>
-          <p:cNvPr id="2" name="标题 1"/>
+          <p:cNvPr id="2" name="标题 1" descr="faa9c2e0-206e-4b1c-9b8f-baf98c105826"/>
           <p:cNvSpPr>
             <a:spLocks noGrp="1"/>
           </p:cNvSpPr>
           <p:nvPr>
-            <p:ph type="title"/>
+            <p:ph type="ctrTitle" hasCustomPrompt="1"/>
           </p:nvPr>
         </p:nvSpPr>
         <p:spPr>
           <a:xfrm>
-            <a:off x="492887" y="2046775"/>
-            <a:ext cx="8143875" cy="675084"/>
+            <a:off x="660400" y="2265680"/>
+            <a:ext cx="10858500" cy="1219200"/>
+          </a:xfrm>
+        </p:spPr>
+        <p:txBody>
+          <a:bodyPr anchor="b">
+            <a:normAutofit/>
+          </a:bodyPr>
+          <a:lstStyle>
+            <a:lvl1pPr algn="ctr">
+              <a:defRPr sz="4800"/>
+            </a:lvl1pPr>
+          </a:lstStyle>
+          <a:p>
+            <a:pPr lvl="0"/>
+            <a:r>
+              <a:rPr lang="en-US" dirty="0"/>
+              <a:t>Click to add title</a:t>
+            </a:r>
+          </a:p>
+        </p:txBody>
+      </p:sp>
+      <p:sp>
+        <p:nvSpPr>
+          <p:cNvPr id="3" name="副标题 2" descr="2907e606-10ca-4bb3-9a2b-80d534e3df80"/>
+          <p:cNvSpPr>
+            <a:spLocks noGrp="1"/>
+          </p:cNvSpPr>
+          <p:nvPr>
+            <p:ph type="subTitle" idx="1" hasCustomPrompt="1"/>
+          </p:nvPr>
+        </p:nvSpPr>
+        <p:spPr>
+          <a:xfrm>
+            <a:off x="660400" y="3484880"/>
+            <a:ext cx="10858500" cy="571500"/>
           </a:xfrm>
         </p:spPr>
         <p:txBody>
           <a:bodyPr>
-            <a:noAutofit/>
+            <a:normAutofit/>
           </a:bodyPr>
           <a:lstStyle>
-            <a:lvl1pPr algn="ctr">
-              <a:defRPr sz="4000"/>
+            <a:lvl1pPr marL="0" indent="0" algn="ctr">
+              <a:buNone/>
+              <a:defRPr sz="2400"/>
             </a:lvl1pPr>
+            <a:lvl2pPr marL="457200" indent="0" algn="ctr">
+              <a:buNone/>
+              <a:defRPr sz="2000"/>
+            </a:lvl2pPr>
+            <a:lvl3pPr marL="914400" indent="0" algn="ctr">
+              <a:buNone/>
+              <a:defRPr sz="1800"/>
+            </a:lvl3pPr>
+            <a:lvl4pPr marL="1371600" indent="0" algn="ctr">
+              <a:buNone/>
+              <a:defRPr sz="1600"/>
+            </a:lvl4pPr>
+            <a:lvl5pPr marL="1828800" indent="0" algn="ctr">
+              <a:buNone/>
+              <a:defRPr sz="1600"/>
+            </a:lvl5pPr>
+            <a:lvl6pPr marL="2286000" indent="0" algn="ctr">
+              <a:buNone/>
+              <a:defRPr sz="1600"/>
+            </a:lvl6pPr>
+            <a:lvl7pPr marL="2743200" indent="0" algn="ctr">
+              <a:buNone/>
+              <a:defRPr sz="1600"/>
+            </a:lvl7pPr>
+            <a:lvl8pPr marL="3200400" indent="0" algn="ctr">
+              <a:buNone/>
+              <a:defRPr sz="1600"/>
+            </a:lvl8pPr>
+            <a:lvl9pPr marL="3657600" indent="0" algn="ctr">
+              <a:buNone/>
+              <a:defRPr sz="1600"/>
+            </a:lvl9pPr>
           </a:lstStyle>
           <a:p>
+            <a:pPr lvl="0"/>
             <a:r>
-              <a:rPr lang="zh-CN" altLang="en-US" dirty="0" smtClean="0"/>
-              <a:t>单击此处编辑母版标题样式</a:t>
+              <a:rPr lang="en-US" dirty="0"/>
+              <a:t>Click to add subtitle</a:t>
             </a:r>
-            <a:endParaRPr lang="zh-CN" altLang="en-US" dirty="0"/>
           </a:p>
         </p:txBody>
       </p:sp>
       <p:sp>
         <p:nvSpPr>
-          <p:cNvPr id="3" name="日期占位符 2"/>
+          <p:cNvPr id="4" name="文本占位符 3" descr="49a1d382-8b4a-4f7e-b0d3-13785925ef53"/>
           <p:cNvSpPr>
             <a:spLocks noGrp="1"/>
           </p:cNvSpPr>
           <p:nvPr>
-            <p:ph type="dt" sz="half" idx="10"/>
+            <p:ph type="body" sz="quarter" idx="13" hasCustomPrompt="1"/>
           </p:nvPr>
         </p:nvSpPr>
-        <p:spPr/>
+        <p:spPr>
+          <a:xfrm>
+            <a:off x="660400" y="4056380"/>
+            <a:ext cx="10858500" cy="576580"/>
+          </a:xfrm>
+        </p:spPr>
         <p:txBody>
-          <a:bodyPr/>
-          <a:lstStyle/>
-          <a:p>
-            <a:endParaRPr lang="en-US"/>
-          </a:p>
-        </p:txBody>
-      </p:sp>
-      <p:sp>
-        <p:nvSpPr>
-          <p:cNvPr id="4" name="页脚占位符 3"/>
-          <p:cNvSpPr>
-            <a:spLocks noGrp="1"/>
-          </p:cNvSpPr>
-          <p:nvPr>
-            <p:ph type="ftr" sz="quarter" idx="11"/>
-          </p:nvPr>
-        </p:nvSpPr>
-        <p:spPr/>
-        <p:txBody>
-          <a:bodyPr/>
-          <a:lstStyle/>
-          <a:p>
-            <a:endParaRPr lang="en-US"/>
-          </a:p>
-        </p:txBody>
-      </p:sp>
-      <p:sp>
-        <p:nvSpPr>
-          <p:cNvPr id="5" name="灯片编号占位符 4"/>
-          <p:cNvSpPr>
-            <a:spLocks noGrp="1"/>
-          </p:cNvSpPr>
-          <p:nvPr>
-            <p:ph type="sldNum" sz="quarter" idx="12"/>
-          </p:nvPr>
-        </p:nvSpPr>
-        <p:spPr/>
-        <p:txBody>
-          <a:bodyPr/>
-          <a:lstStyle/>
-          <a:p>
-            <a:fld id="{C8BB1146-E542-4D4E-B8E9-6919A11DDD48}" type="slidenum">
-              <a:rPr lang="en-US" smtClean="0"/>
-              <a:pPr/>
-              <a:t>‹#›</a:t>
-            </a:fld>
-            <a:endParaRPr lang="en-US"/>
+          <a:bodyPr anchor="ctr"/>
+          <a:lstStyle>
+            <a:lvl1pPr marL="0" indent="0" algn="ctr">
+              <a:buNone/>
+              <a:defRPr sz="2400">
+                <a:solidFill>
+                  <a:schemeClr val="tx1"/>
+                </a:solidFill>
+              </a:defRPr>
+            </a:lvl1pPr>
+          </a:lstStyle>
+          <a:p>
+            <a:pPr lvl="0"/>
+            <a:r>
+              <a:rPr lang="en-US" dirty="0"/>
+              <a:t>Presenter name</a:t>
+            </a:r>
           </a:p>
         </p:txBody>
       </p:sp>
     </p:spTree>
-    <p:extLst>
-      <p:ext uri="{BB962C8B-B14F-4D97-AF65-F5344CB8AC3E}">
-        <p14:creationId xmlns:p14="http://schemas.microsoft.com/office/powerpoint/2010/main" val="4209087154"/>
-      </p:ext>
-    </p:extLst>
   </p:cSld>
   <p:clrMapOvr>
     <a:masterClrMapping/>
   </p:clrMapOvr>
   <p:transition/>
+  <p:timing>
+    <p:tnLst>
+      <p:par>
+        <p:cTn id="1" dur="indefinite" restart="never" nodeType="tmRoot"/>
+      </p:par>
+    </p:tnLst>
+  </p:timing>
 </p:sldLayout>
 </file>
 
@@ -380,52 +681,6 @@
       </p:grpSpPr>
       <p:sp>
         <p:nvSpPr>
-          <p:cNvPr id="7" name="矩形 6"/>
-          <p:cNvSpPr/>
-          <p:nvPr userDrawn="1"/>
-        </p:nvSpPr>
-        <p:spPr>
-          <a:xfrm>
-            <a:off x="0" y="847724"/>
-            <a:ext cx="9144000" cy="4295775"/>
-          </a:xfrm>
-          <a:prstGeom prst="rect">
-            <a:avLst/>
-          </a:prstGeom>
-          <a:solidFill>
-            <a:schemeClr val="tx1"/>
-          </a:solidFill>
-          <a:ln>
-            <a:noFill/>
-          </a:ln>
-        </p:spPr>
-        <p:style>
-          <a:lnRef idx="2">
-            <a:schemeClr val="accent1">
-              <a:shade val="50000"/>
-            </a:schemeClr>
-          </a:lnRef>
-          <a:fillRef idx="1">
-            <a:schemeClr val="accent1"/>
-          </a:fillRef>
-          <a:effectRef idx="0">
-            <a:schemeClr val="accent1"/>
-          </a:effectRef>
-          <a:fontRef idx="minor">
-            <a:schemeClr val="lt1"/>
-          </a:fontRef>
-        </p:style>
-        <p:txBody>
-          <a:bodyPr rtlCol="0" anchor="ctr"/>
-          <a:lstStyle/>
-          <a:p>
-            <a:pPr algn="ctr"/>
-            <a:endParaRPr lang="zh-CN" altLang="en-US"/>
-          </a:p>
-        </p:txBody>
-      </p:sp>
-      <p:sp>
-        <p:nvSpPr>
           <p:cNvPr id="2" name="标题 1" descr="ea0e1be6-369a-415f-b820-908ca23c0a31"/>
           <p:cNvSpPr>
             <a:spLocks noGrp="1"/>
@@ -445,7 +700,7 @@
           <a:p>
             <a:pPr lvl="0"/>
             <a:r>
-              <a:rPr lang="en-US"/>
+              <a:rPr lang="en-US" dirty="0"/>
               <a:t>Click to add title</a:t>
             </a:r>
           </a:p>
@@ -472,112 +727,53 @@
           <a:p>
             <a:pPr lvl="0"/>
             <a:r>
-              <a:rPr lang="en-US"/>
+              <a:rPr lang="en-US" dirty="0"/>
               <a:t>Click to add text</a:t>
             </a:r>
           </a:p>
           <a:p>
             <a:pPr lvl="1"/>
             <a:r>
-              <a:rPr lang="en-US"/>
+              <a:rPr lang="en-US" dirty="0"/>
               <a:t>Second level</a:t>
             </a:r>
           </a:p>
           <a:p>
             <a:pPr lvl="2"/>
             <a:r>
-              <a:rPr lang="en-US"/>
+              <a:rPr lang="en-US" dirty="0"/>
               <a:t>Third level</a:t>
             </a:r>
           </a:p>
           <a:p>
             <a:pPr lvl="3"/>
             <a:r>
-              <a:rPr lang="en-US"/>
+              <a:rPr lang="en-US" dirty="0"/>
               <a:t>Fourth level</a:t>
             </a:r>
           </a:p>
           <a:p>
             <a:pPr lvl="4"/>
             <a:r>
-              <a:rPr lang="en-US"/>
+              <a:rPr lang="en-US" dirty="0"/>
               <a:t>Fifth level</a:t>
             </a:r>
-          </a:p>
-        </p:txBody>
-      </p:sp>
-      <p:sp>
-        <p:nvSpPr>
-          <p:cNvPr id="4" name="日期占位符 3" descr="e3bc8f10-d586-4504-887e-2ff353009b84"/>
-          <p:cNvSpPr>
-            <a:spLocks noGrp="1"/>
-          </p:cNvSpPr>
-          <p:nvPr>
-            <p:ph type="dt" sz="half" idx="10"/>
-          </p:nvPr>
-        </p:nvSpPr>
-        <p:spPr/>
-        <p:txBody>
-          <a:bodyPr/>
-          <a:lstStyle/>
-          <a:p>
-            <a:endParaRPr lang="en-US"/>
-          </a:p>
-        </p:txBody>
-      </p:sp>
-      <p:sp>
-        <p:nvSpPr>
-          <p:cNvPr id="5" name="页脚占位符 4" descr="c99db072-8df9-4d75-81f3-2cf8242cc279"/>
-          <p:cNvSpPr>
-            <a:spLocks noGrp="1"/>
-          </p:cNvSpPr>
-          <p:nvPr>
-            <p:ph type="ftr" sz="quarter" idx="11"/>
-          </p:nvPr>
-        </p:nvSpPr>
-        <p:spPr/>
-        <p:txBody>
-          <a:bodyPr/>
-          <a:lstStyle/>
-          <a:p>
-            <a:endParaRPr lang="en-US"/>
-          </a:p>
-        </p:txBody>
-      </p:sp>
-      <p:sp>
-        <p:nvSpPr>
-          <p:cNvPr id="6" name="灯片编号占位符 5" descr="777d3909-abd2-4fb5-bb0f-f143e3711d56"/>
-          <p:cNvSpPr>
-            <a:spLocks noGrp="1"/>
-          </p:cNvSpPr>
-          <p:nvPr>
-            <p:ph type="sldNum" sz="quarter" idx="12"/>
-          </p:nvPr>
-        </p:nvSpPr>
-        <p:spPr/>
-        <p:txBody>
-          <a:bodyPr/>
-          <a:lstStyle/>
-          <a:p>
-            <a:fld id="{C8BB1146-E542-4D4E-B8E9-6919A11DDD48}" type="slidenum">
-              <a:rPr lang="en-US" smtClean="0"/>
-              <a:t>‹#›</a:t>
-            </a:fld>
-            <a:endParaRPr lang="en-US"/>
           </a:p>
         </p:txBody>
       </p:sp>
     </p:spTree>
-    <p:extLst>
-      <p:ext uri="{BB962C8B-B14F-4D97-AF65-F5344CB8AC3E}">
-        <p14:creationId xmlns:p14="http://schemas.microsoft.com/office/powerpoint/2010/main" val="1584452052"/>
-      </p:ext>
-    </p:extLst>
   </p:cSld>
   <p:clrMapOvr>
     <a:masterClrMapping/>
   </p:clrMapOvr>
   <p:transition/>
+  <p:timing>
+    <p:tnLst>
+      <p:par>
+        <p:cTn id="1" dur="indefinite" restart="never" nodeType="tmRoot"/>
+      </p:par>
+    </p:tnLst>
+  </p:timing>
 </p:sldLayout>
 </file>
 
@@ -600,52 +796,6 @@
       </p:grpSpPr>
       <p:sp>
         <p:nvSpPr>
-          <p:cNvPr id="9" name="矩形 8"/>
-          <p:cNvSpPr/>
-          <p:nvPr userDrawn="1"/>
-        </p:nvSpPr>
-        <p:spPr>
-          <a:xfrm>
-            <a:off x="2715764" y="847724"/>
-            <a:ext cx="6428236" cy="4295775"/>
-          </a:xfrm>
-          <a:prstGeom prst="rect">
-            <a:avLst/>
-          </a:prstGeom>
-          <a:solidFill>
-            <a:schemeClr val="tx1"/>
-          </a:solidFill>
-          <a:ln>
-            <a:noFill/>
-          </a:ln>
-        </p:spPr>
-        <p:style>
-          <a:lnRef idx="2">
-            <a:schemeClr val="accent1">
-              <a:shade val="50000"/>
-            </a:schemeClr>
-          </a:lnRef>
-          <a:fillRef idx="1">
-            <a:schemeClr val="accent1"/>
-          </a:fillRef>
-          <a:effectRef idx="0">
-            <a:schemeClr val="accent1"/>
-          </a:effectRef>
-          <a:fontRef idx="minor">
-            <a:schemeClr val="lt1"/>
-          </a:fontRef>
-        </p:style>
-        <p:txBody>
-          <a:bodyPr rtlCol="0" anchor="ctr"/>
-          <a:lstStyle/>
-          <a:p>
-            <a:pPr algn="ctr"/>
-            <a:endParaRPr lang="zh-CN" altLang="en-US"/>
-          </a:p>
-        </p:txBody>
-      </p:sp>
-      <p:sp>
-        <p:nvSpPr>
           <p:cNvPr id="2" name="标题 1" descr="2359955b-8364-4679-a824-4b0fe6265df2"/>
           <p:cNvSpPr>
             <a:spLocks noGrp="1"/>
@@ -656,8 +806,8 @@
         </p:nvSpPr>
         <p:spPr>
           <a:xfrm>
-            <a:off x="495300" y="1125141"/>
-            <a:ext cx="2127422" cy="686750"/>
+            <a:off x="660400" y="1500187"/>
+            <a:ext cx="2836562" cy="915667"/>
           </a:xfrm>
         </p:spPr>
         <p:txBody>
@@ -666,13 +816,13 @@
           </a:bodyPr>
           <a:lstStyle>
             <a:lvl1pPr algn="r">
-              <a:defRPr sz="2100"/>
+              <a:defRPr sz="2800"/>
             </a:lvl1pPr>
           </a:lstStyle>
           <a:p>
             <a:pPr lvl="0"/>
             <a:r>
-              <a:rPr lang="en-US"/>
+              <a:rPr lang="en-US" dirty="0"/>
               <a:t>Agenda</a:t>
             </a:r>
           </a:p>
@@ -690,14 +840,14 @@
         </p:nvSpPr>
         <p:spPr>
           <a:xfrm>
-            <a:off x="2808809" y="1125141"/>
-            <a:ext cx="5830366" cy="3475434"/>
+            <a:off x="3745078" y="1500188"/>
+            <a:ext cx="7773821" cy="4633912"/>
           </a:xfrm>
         </p:spPr>
         <p:txBody>
           <a:bodyPr/>
           <a:lstStyle>
-            <a:lvl1pPr marL="257175" indent="-257175">
+            <a:lvl1pPr marL="342900" indent="-342900">
               <a:lnSpc>
                 <a:spcPct val="100000"/>
               </a:lnSpc>
@@ -705,7 +855,7 @@
               <a:buAutoNum type="arabicPeriod"/>
               <a:defRPr/>
             </a:lvl1pPr>
-            <a:lvl2pPr marL="600075" indent="-257175">
+            <a:lvl2pPr marL="800100" indent="-342900">
               <a:lnSpc>
                 <a:spcPct val="100000"/>
               </a:lnSpc>
@@ -713,7 +863,7 @@
               <a:buAutoNum type="circleNumDbPlain"/>
               <a:defRPr/>
             </a:lvl2pPr>
-            <a:lvl3pPr marL="942975" indent="-257175">
+            <a:lvl3pPr marL="1257300" indent="-342900">
               <a:lnSpc>
                 <a:spcPct val="100000"/>
               </a:lnSpc>
@@ -737,98 +887,37 @@
           <a:p>
             <a:pPr lvl="0"/>
             <a:r>
-              <a:rPr lang="en-US"/>
+              <a:rPr lang="en-US" dirty="0"/>
               <a:t>Click to add text</a:t>
             </a:r>
           </a:p>
           <a:p>
             <a:pPr lvl="1"/>
             <a:r>
-              <a:rPr lang="en-US"/>
+              <a:rPr lang="en-US" dirty="0"/>
               <a:t>Second level</a:t>
             </a:r>
           </a:p>
           <a:p>
             <a:pPr lvl="2"/>
             <a:r>
-              <a:rPr lang="en-US"/>
+              <a:rPr lang="en-US" dirty="0"/>
               <a:t>Third level</a:t>
             </a:r>
           </a:p>
           <a:p>
             <a:pPr lvl="3"/>
             <a:r>
-              <a:rPr lang="en-US"/>
+              <a:rPr lang="en-US" dirty="0"/>
               <a:t>Fourth level</a:t>
             </a:r>
           </a:p>
           <a:p>
             <a:pPr lvl="4"/>
             <a:r>
-              <a:rPr lang="en-US"/>
+              <a:rPr lang="en-US" dirty="0"/>
               <a:t>Fifth level</a:t>
             </a:r>
-          </a:p>
-        </p:txBody>
-      </p:sp>
-      <p:sp>
-        <p:nvSpPr>
-          <p:cNvPr id="4" name="日期占位符 3" descr="e34061ff-6433-4a04-bc5b-12a1ed94b635"/>
-          <p:cNvSpPr>
-            <a:spLocks noGrp="1"/>
-          </p:cNvSpPr>
-          <p:nvPr>
-            <p:ph type="dt" sz="half" idx="10"/>
-          </p:nvPr>
-        </p:nvSpPr>
-        <p:spPr/>
-        <p:txBody>
-          <a:bodyPr/>
-          <a:lstStyle/>
-          <a:p>
-            <a:endParaRPr lang="en-US"/>
-          </a:p>
-        </p:txBody>
-      </p:sp>
-      <p:sp>
-        <p:nvSpPr>
-          <p:cNvPr id="5" name="页脚占位符 4" descr="594c96c8-2fcb-4f41-962f-d3946882ad81"/>
-          <p:cNvSpPr>
-            <a:spLocks noGrp="1"/>
-          </p:cNvSpPr>
-          <p:nvPr>
-            <p:ph type="ftr" sz="quarter" idx="11"/>
-          </p:nvPr>
-        </p:nvSpPr>
-        <p:spPr/>
-        <p:txBody>
-          <a:bodyPr/>
-          <a:lstStyle/>
-          <a:p>
-            <a:endParaRPr lang="en-US"/>
-          </a:p>
-        </p:txBody>
-      </p:sp>
-      <p:sp>
-        <p:nvSpPr>
-          <p:cNvPr id="6" name="灯片编号占位符 5" descr="848b81aa-6314-4430-9bc5-470527a60c3e"/>
-          <p:cNvSpPr>
-            <a:spLocks noGrp="1"/>
-          </p:cNvSpPr>
-          <p:nvPr>
-            <p:ph type="sldNum" sz="quarter" idx="12"/>
-          </p:nvPr>
-        </p:nvSpPr>
-        <p:spPr/>
-        <p:txBody>
-          <a:bodyPr/>
-          <a:lstStyle/>
-          <a:p>
-            <a:fld id="{C8BB1146-E542-4D4E-B8E9-6919A11DDD48}" type="slidenum">
-              <a:rPr lang="en-US" smtClean="0"/>
-              <a:t>‹#›</a:t>
-            </a:fld>
-            <a:endParaRPr lang="en-US"/>
           </a:p>
         </p:txBody>
       </p:sp>
@@ -840,8 +929,8 @@
         </p:nvCxnSpPr>
         <p:spPr>
           <a:xfrm flipH="1">
-            <a:off x="2715764" y="1125141"/>
-            <a:ext cx="0" cy="3475435"/>
+            <a:off x="3621019" y="1500188"/>
+            <a:ext cx="0" cy="4633913"/>
           </a:xfrm>
           <a:prstGeom prst="line">
             <a:avLst/>
@@ -871,8 +960,8 @@
         </p:nvSpPr>
         <p:spPr bwMode="auto">
           <a:xfrm>
-            <a:off x="1969842" y="3914406"/>
-            <a:ext cx="652880" cy="686750"/>
+            <a:off x="2626456" y="5219207"/>
+            <a:ext cx="870506" cy="915667"/>
           </a:xfrm>
           <a:custGeom>
             <a:avLst/>
@@ -1439,7 +1528,7 @@
           <a:bodyPr/>
           <a:lstStyle/>
           <a:p>
-            <a:endParaRPr lang="zh-CN" altLang="en-US" sz="1350">
+            <a:endParaRPr lang="zh-CN" altLang="en-US">
               <a:cs typeface="+mn-ea"/>
               <a:sym typeface="+mn-lt"/>
             </a:endParaRPr>
@@ -1447,11 +1536,6 @@
         </p:txBody>
       </p:sp>
     </p:spTree>
-    <p:extLst>
-      <p:ext uri="{BB962C8B-B14F-4D97-AF65-F5344CB8AC3E}">
-        <p14:creationId xmlns:p14="http://schemas.microsoft.com/office/powerpoint/2010/main" val="1798586356"/>
-      </p:ext>
-    </p:extLst>
   </p:cSld>
   <p:clrMapOvr>
     <a:masterClrMapping/>
@@ -1461,6 +1545,233 @@
 </file>
 
 <file path=ppt/slideLayouts/slideLayout4.xml><?xml version="1.0" encoding="utf-8"?>
+<p:sldLayout xmlns:a="http://schemas.openxmlformats.org/drawingml/2006/main" xmlns:r="http://schemas.openxmlformats.org/officeDocument/2006/relationships" xmlns:p="http://schemas.openxmlformats.org/presentationml/2006/main" showMasterSp="0" type="secHead" preserve="1">
+  <p:cSld name="Section Header">
+    <p:spTree>
+      <p:nvGrpSpPr>
+        <p:cNvPr id="1" name=""/>
+        <p:cNvGrpSpPr/>
+        <p:nvPr/>
+      </p:nvGrpSpPr>
+      <p:grpSpPr>
+        <a:xfrm>
+          <a:off x="0" y="0"/>
+          <a:ext cx="0" cy="0"/>
+          <a:chOff x="0" y="0"/>
+          <a:chExt cx="0" cy="0"/>
+        </a:xfrm>
+      </p:grpSpPr>
+      <p:sp>
+        <p:nvSpPr>
+          <p:cNvPr id="10" name="矩形 9" descr="6372acb9-cdef-4372-80cd-8414c654a3aa"/>
+          <p:cNvSpPr/>
+          <p:nvPr/>
+        </p:nvSpPr>
+        <p:spPr>
+          <a:xfrm>
+            <a:off x="491490" y="411480"/>
+            <a:ext cx="11372850" cy="6023610"/>
+          </a:xfrm>
+          <a:prstGeom prst="rect">
+            <a:avLst/>
+          </a:prstGeom>
+          <a:noFill/>
+          <a:ln w="12700">
+            <a:solidFill>
+              <a:schemeClr val="tx1">
+                <a:alpha val="50000"/>
+              </a:schemeClr>
+            </a:solidFill>
+          </a:ln>
+        </p:spPr>
+        <p:style>
+          <a:lnRef idx="2">
+            <a:schemeClr val="accent1">
+              <a:shade val="50000"/>
+            </a:schemeClr>
+          </a:lnRef>
+          <a:fillRef idx="1">
+            <a:schemeClr val="accent1"/>
+          </a:fillRef>
+          <a:effectRef idx="0">
+            <a:schemeClr val="accent1"/>
+          </a:effectRef>
+          <a:fontRef idx="minor">
+            <a:schemeClr val="lt1"/>
+          </a:fontRef>
+        </p:style>
+        <p:txBody>
+          <a:bodyPr rtlCol="0" anchor="ctr"/>
+          <a:lstStyle/>
+          <a:p>
+            <a:pPr algn="ctr"/>
+            <a:endParaRPr lang="zh-CN" altLang="en-US"/>
+          </a:p>
+        </p:txBody>
+      </p:sp>
+      <p:sp>
+        <p:nvSpPr>
+          <p:cNvPr id="2" name="标题 1" descr="c5c99117-3eae-4d63-95cc-10daa4ed4eaf"/>
+          <p:cNvSpPr>
+            <a:spLocks noGrp="1"/>
+          </p:cNvSpPr>
+          <p:nvPr>
+            <p:ph type="title" hasCustomPrompt="1"/>
+          </p:nvPr>
+        </p:nvSpPr>
+        <p:spPr>
+          <a:xfrm>
+            <a:off x="660400" y="1130300"/>
+            <a:ext cx="10858500" cy="1371600"/>
+          </a:xfrm>
+        </p:spPr>
+        <p:txBody>
+          <a:bodyPr anchor="b">
+            <a:normAutofit/>
+          </a:bodyPr>
+          <a:lstStyle>
+            <a:lvl1pPr algn="ctr">
+              <a:defRPr sz="3600"/>
+            </a:lvl1pPr>
+          </a:lstStyle>
+          <a:p>
+            <a:pPr lvl="0"/>
+            <a:r>
+              <a:rPr lang="en-US"/>
+              <a:t>Click to add title</a:t>
+            </a:r>
+          </a:p>
+        </p:txBody>
+      </p:sp>
+      <p:sp>
+        <p:nvSpPr>
+          <p:cNvPr id="3" name="文本占位符 2" descr="aaaeba78-87bc-4587-812c-cc0fa674e474"/>
+          <p:cNvSpPr>
+            <a:spLocks noGrp="1"/>
+          </p:cNvSpPr>
+          <p:nvPr>
+            <p:ph type="body" idx="1" hasCustomPrompt="1"/>
+          </p:nvPr>
+        </p:nvSpPr>
+        <p:spPr>
+          <a:xfrm>
+            <a:off x="660400" y="2507405"/>
+            <a:ext cx="10858500" cy="869950"/>
+          </a:xfrm>
+        </p:spPr>
+        <p:txBody>
+          <a:bodyPr>
+            <a:normAutofit/>
+          </a:bodyPr>
+          <a:lstStyle>
+            <a:lvl1pPr marL="0" indent="0" algn="ctr">
+              <a:buNone/>
+              <a:defRPr sz="1600">
+                <a:solidFill>
+                  <a:schemeClr val="tx1"/>
+                </a:solidFill>
+              </a:defRPr>
+            </a:lvl1pPr>
+            <a:lvl2pPr marL="457200" indent="0">
+              <a:buNone/>
+              <a:defRPr sz="2000">
+                <a:solidFill>
+                  <a:schemeClr val="tx1">
+                    <a:tint val="75000"/>
+                  </a:schemeClr>
+                </a:solidFill>
+              </a:defRPr>
+            </a:lvl2pPr>
+            <a:lvl3pPr marL="914400" indent="0">
+              <a:buNone/>
+              <a:defRPr sz="1800">
+                <a:solidFill>
+                  <a:schemeClr val="tx1">
+                    <a:tint val="75000"/>
+                  </a:schemeClr>
+                </a:solidFill>
+              </a:defRPr>
+            </a:lvl3pPr>
+            <a:lvl4pPr marL="1371600" indent="0">
+              <a:buNone/>
+              <a:defRPr sz="1600">
+                <a:solidFill>
+                  <a:schemeClr val="tx1">
+                    <a:tint val="75000"/>
+                  </a:schemeClr>
+                </a:solidFill>
+              </a:defRPr>
+            </a:lvl4pPr>
+            <a:lvl5pPr marL="1828800" indent="0">
+              <a:buNone/>
+              <a:defRPr sz="1600">
+                <a:solidFill>
+                  <a:schemeClr val="tx1">
+                    <a:tint val="75000"/>
+                  </a:schemeClr>
+                </a:solidFill>
+              </a:defRPr>
+            </a:lvl5pPr>
+            <a:lvl6pPr marL="2286000" indent="0">
+              <a:buNone/>
+              <a:defRPr sz="1600">
+                <a:solidFill>
+                  <a:schemeClr val="tx1">
+                    <a:tint val="75000"/>
+                  </a:schemeClr>
+                </a:solidFill>
+              </a:defRPr>
+            </a:lvl6pPr>
+            <a:lvl7pPr marL="2743200" indent="0">
+              <a:buNone/>
+              <a:defRPr sz="1600">
+                <a:solidFill>
+                  <a:schemeClr val="tx1">
+                    <a:tint val="75000"/>
+                  </a:schemeClr>
+                </a:solidFill>
+              </a:defRPr>
+            </a:lvl7pPr>
+            <a:lvl8pPr marL="3200400" indent="0">
+              <a:buNone/>
+              <a:defRPr sz="1600">
+                <a:solidFill>
+                  <a:schemeClr val="tx1">
+                    <a:tint val="75000"/>
+                  </a:schemeClr>
+                </a:solidFill>
+              </a:defRPr>
+            </a:lvl8pPr>
+            <a:lvl9pPr marL="3657600" indent="0">
+              <a:buNone/>
+              <a:defRPr sz="1600">
+                <a:solidFill>
+                  <a:schemeClr val="tx1">
+                    <a:tint val="75000"/>
+                  </a:schemeClr>
+                </a:solidFill>
+              </a:defRPr>
+            </a:lvl9pPr>
+          </a:lstStyle>
+          <a:p>
+            <a:pPr lvl="0"/>
+            <a:r>
+              <a:rPr lang="en-US"/>
+              <a:t>Click to add text</a:t>
+            </a:r>
+          </a:p>
+        </p:txBody>
+      </p:sp>
+    </p:spTree>
+  </p:cSld>
+  <p:clrMapOvr>
+    <a:masterClrMapping/>
+  </p:clrMapOvr>
+  <p:transition/>
+</p:sldLayout>
+</file>
+
+<file path=ppt/slideLayouts/slideLayout5.xml><?xml version="1.0" encoding="utf-8"?>
 <p:sldLayout xmlns:a="http://schemas.openxmlformats.org/drawingml/2006/main" xmlns:r="http://schemas.openxmlformats.org/officeDocument/2006/relationships" xmlns:p="http://schemas.openxmlformats.org/presentationml/2006/main" type="titleOnly" preserve="1">
   <p:cSld name="Title Only">
     <p:spTree>
@@ -1504,73 +1815,7 @@
           </a:p>
         </p:txBody>
       </p:sp>
-      <p:sp>
-        <p:nvSpPr>
-          <p:cNvPr id="3" name="日期占位符 2" descr="eeea5877-fccc-472f-85ad-63a7227dc5c3"/>
-          <p:cNvSpPr>
-            <a:spLocks noGrp="1"/>
-          </p:cNvSpPr>
-          <p:nvPr>
-            <p:ph type="dt" sz="half" idx="10"/>
-          </p:nvPr>
-        </p:nvSpPr>
-        <p:spPr/>
-        <p:txBody>
-          <a:bodyPr/>
-          <a:lstStyle/>
-          <a:p>
-            <a:endParaRPr lang="en-US"/>
-          </a:p>
-        </p:txBody>
-      </p:sp>
-      <p:sp>
-        <p:nvSpPr>
-          <p:cNvPr id="4" name="页脚占位符 3" descr="2d04c628-2212-4780-a38e-4dd2e58e4d39"/>
-          <p:cNvSpPr>
-            <a:spLocks noGrp="1"/>
-          </p:cNvSpPr>
-          <p:nvPr>
-            <p:ph type="ftr" sz="quarter" idx="11"/>
-          </p:nvPr>
-        </p:nvSpPr>
-        <p:spPr/>
-        <p:txBody>
-          <a:bodyPr/>
-          <a:lstStyle/>
-          <a:p>
-            <a:endParaRPr lang="en-US"/>
-          </a:p>
-        </p:txBody>
-      </p:sp>
-      <p:sp>
-        <p:nvSpPr>
-          <p:cNvPr id="5" name="灯片编号占位符 4" descr="0d3c82ed-cd33-4046-885b-80d6523a9d0b"/>
-          <p:cNvSpPr>
-            <a:spLocks noGrp="1"/>
-          </p:cNvSpPr>
-          <p:nvPr>
-            <p:ph type="sldNum" sz="quarter" idx="12"/>
-          </p:nvPr>
-        </p:nvSpPr>
-        <p:spPr/>
-        <p:txBody>
-          <a:bodyPr/>
-          <a:lstStyle/>
-          <a:p>
-            <a:fld id="{C8BB1146-E542-4D4E-B8E9-6919A11DDD48}" type="slidenum">
-              <a:rPr lang="en-US" smtClean="0"/>
-              <a:t>‹#›</a:t>
-            </a:fld>
-            <a:endParaRPr lang="en-US"/>
-          </a:p>
-        </p:txBody>
-      </p:sp>
     </p:spTree>
-    <p:extLst>
-      <p:ext uri="{BB962C8B-B14F-4D97-AF65-F5344CB8AC3E}">
-        <p14:creationId xmlns:p14="http://schemas.microsoft.com/office/powerpoint/2010/main" val="2848872927"/>
-      </p:ext>
-    </p:extLst>
   </p:cSld>
   <p:clrMapOvr>
     <a:masterClrMapping/>
@@ -1579,7 +1824,7 @@
 </p:sldLayout>
 </file>
 
-<file path=ppt/slideLayouts/slideLayout5.xml><?xml version="1.0" encoding="utf-8"?>
+<file path=ppt/slideLayouts/slideLayout6.xml><?xml version="1.0" encoding="utf-8"?>
 <p:sldLayout xmlns:a="http://schemas.openxmlformats.org/drawingml/2006/main" xmlns:r="http://schemas.openxmlformats.org/officeDocument/2006/relationships" xmlns:p="http://schemas.openxmlformats.org/presentationml/2006/main" type="blank" preserve="1">
   <p:cSld name="Blank">
     <p:spTree>
@@ -1596,73 +1841,7 @@
           <a:chExt cx="0" cy="0"/>
         </a:xfrm>
       </p:grpSpPr>
-      <p:sp>
-        <p:nvSpPr>
-          <p:cNvPr id="2" name="日期占位符 1" descr="e7af5993-2462-4d1c-880a-81b471088773"/>
-          <p:cNvSpPr>
-            <a:spLocks noGrp="1"/>
-          </p:cNvSpPr>
-          <p:nvPr>
-            <p:ph type="dt" sz="half" idx="10"/>
-          </p:nvPr>
-        </p:nvSpPr>
-        <p:spPr/>
-        <p:txBody>
-          <a:bodyPr/>
-          <a:lstStyle/>
-          <a:p>
-            <a:endParaRPr lang="en-US"/>
-          </a:p>
-        </p:txBody>
-      </p:sp>
-      <p:sp>
-        <p:nvSpPr>
-          <p:cNvPr id="3" name="页脚占位符 2" descr="81b21c3d-154e-4d8a-b6b3-3e67461be3f8"/>
-          <p:cNvSpPr>
-            <a:spLocks noGrp="1"/>
-          </p:cNvSpPr>
-          <p:nvPr>
-            <p:ph type="ftr" sz="quarter" idx="11"/>
-          </p:nvPr>
-        </p:nvSpPr>
-        <p:spPr/>
-        <p:txBody>
-          <a:bodyPr/>
-          <a:lstStyle/>
-          <a:p>
-            <a:endParaRPr lang="en-US"/>
-          </a:p>
-        </p:txBody>
-      </p:sp>
-      <p:sp>
-        <p:nvSpPr>
-          <p:cNvPr id="4" name="灯片编号占位符 3" descr="2ec514a4-d65a-48f5-84b4-9385bebf110b"/>
-          <p:cNvSpPr>
-            <a:spLocks noGrp="1"/>
-          </p:cNvSpPr>
-          <p:nvPr>
-            <p:ph type="sldNum" sz="quarter" idx="12"/>
-          </p:nvPr>
-        </p:nvSpPr>
-        <p:spPr/>
-        <p:txBody>
-          <a:bodyPr/>
-          <a:lstStyle/>
-          <a:p>
-            <a:fld id="{C8BB1146-E542-4D4E-B8E9-6919A11DDD48}" type="slidenum">
-              <a:rPr lang="en-US" smtClean="0"/>
-              <a:t>‹#›</a:t>
-            </a:fld>
-            <a:endParaRPr lang="en-US"/>
-          </a:p>
-        </p:txBody>
-      </p:sp>
     </p:spTree>
-    <p:extLst>
-      <p:ext uri="{BB962C8B-B14F-4D97-AF65-F5344CB8AC3E}">
-        <p14:creationId xmlns:p14="http://schemas.microsoft.com/office/powerpoint/2010/main" val="2371642108"/>
-      </p:ext>
-    </p:extLst>
   </p:cSld>
   <p:clrMapOvr>
     <a:masterClrMapping/>
@@ -1672,12 +1851,18 @@
 </file>
 
 <file path=ppt/slideMasters/slideMaster1.xml><?xml version="1.0" encoding="utf-8"?>
-<p:sldMaster xmlns:a="http://schemas.openxmlformats.org/drawingml/2006/main" xmlns:r="http://schemas.openxmlformats.org/officeDocument/2006/relationships" xmlns:p="http://schemas.openxmlformats.org/presentationml/2006/main" preserve="1">
+<p:sldMaster xmlns:a="http://schemas.openxmlformats.org/drawingml/2006/main" xmlns:r="http://schemas.openxmlformats.org/officeDocument/2006/relationships" xmlns:p="http://schemas.openxmlformats.org/presentationml/2006/main">
   <p:cSld>
     <p:bg>
-      <p:bgRef idx="1001">
-        <a:schemeClr val="bg1"/>
-      </p:bgRef>
+      <p:bgPr>
+        <a:solidFill>
+          <a:schemeClr val="bg1">
+            <a:lumMod val="65000"/>
+            <a:lumOff val="35000"/>
+          </a:schemeClr>
+        </a:solidFill>
+        <a:effectLst/>
+      </p:bgPr>
     </p:bg>
     <p:spTree>
       <p:nvGrpSpPr>
@@ -1693,29 +1878,6 @@
           <a:chExt cx="0" cy="0"/>
         </a:xfrm>
       </p:grpSpPr>
-      <p:pic>
-        <p:nvPicPr>
-          <p:cNvPr id="7" name="Image 0" descr="preencoded.png"/>
-          <p:cNvPicPr>
-            <a:picLocks noChangeAspect="1"/>
-          </p:cNvPicPr>
-          <p:nvPr userDrawn="1"/>
-        </p:nvPicPr>
-        <p:blipFill>
-          <a:blip r:embed="rId7"/>
-          <a:srcRect l="4" r="4"/>
-          <a:stretch/>
-        </p:blipFill>
-        <p:spPr>
-          <a:xfrm>
-            <a:off x="0" y="0"/>
-            <a:ext cx="9144000" cy="5143500"/>
-          </a:xfrm>
-          <a:prstGeom prst="rect">
-            <a:avLst/>
-          </a:prstGeom>
-        </p:spPr>
-      </p:pic>
       <p:sp>
         <p:nvSpPr>
           <p:cNvPr id="2" name="标题占位符 1"/>
@@ -1728,8 +1890,8 @@
         </p:nvSpPr>
         <p:spPr>
           <a:xfrm>
-            <a:off x="495300" y="96440"/>
-            <a:ext cx="8143875" cy="675084"/>
+            <a:off x="660400" y="128587"/>
+            <a:ext cx="10858500" cy="900112"/>
           </a:xfrm>
           <a:prstGeom prst="rect">
             <a:avLst/>
@@ -1743,7 +1905,7 @@
           <a:p>
             <a:pPr lvl="0"/>
             <a:r>
-              <a:rPr lang="en-US"/>
+              <a:rPr lang="en-US" dirty="0"/>
               <a:t>Click to add title</a:t>
             </a:r>
           </a:p>
@@ -1761,8 +1923,8 @@
         </p:nvSpPr>
         <p:spPr>
           <a:xfrm>
-            <a:off x="495300" y="847725"/>
-            <a:ext cx="8143875" cy="3752850"/>
+            <a:off x="660400" y="1130300"/>
+            <a:ext cx="10858500" cy="5486400"/>
           </a:xfrm>
           <a:prstGeom prst="rect">
             <a:avLst/>
@@ -1810,130 +1972,16 @@
           </a:p>
         </p:txBody>
       </p:sp>
-      <p:sp>
-        <p:nvSpPr>
-          <p:cNvPr id="4" name="日期占位符 3"/>
-          <p:cNvSpPr>
-            <a:spLocks noGrp="1"/>
-          </p:cNvSpPr>
-          <p:nvPr>
-            <p:ph type="dt" sz="half" idx="2"/>
-          </p:nvPr>
-        </p:nvSpPr>
-        <p:spPr>
-          <a:xfrm>
-            <a:off x="3538538" y="4807268"/>
-            <a:ext cx="2057400" cy="205740"/>
-          </a:xfrm>
-          <a:prstGeom prst="rect">
-            <a:avLst/>
-          </a:prstGeom>
-        </p:spPr>
-        <p:txBody>
-          <a:bodyPr vert="horz" lIns="91440" tIns="45720" rIns="91440" bIns="45720" rtlCol="0" anchor="ctr"/>
-          <a:lstStyle>
-            <a:lvl1pPr algn="ctr">
-              <a:defRPr sz="750">
-                <a:solidFill>
-                  <a:schemeClr val="bg1"/>
-                </a:solidFill>
-              </a:defRPr>
-            </a:lvl1pPr>
-          </a:lstStyle>
-          <a:p>
-            <a:endParaRPr lang="en-US"/>
-          </a:p>
-        </p:txBody>
-      </p:sp>
-      <p:sp>
-        <p:nvSpPr>
-          <p:cNvPr id="5" name="页脚占位符 4"/>
-          <p:cNvSpPr>
-            <a:spLocks noGrp="1"/>
-          </p:cNvSpPr>
-          <p:nvPr>
-            <p:ph type="ftr" sz="quarter" idx="3"/>
-          </p:nvPr>
-        </p:nvSpPr>
-        <p:spPr>
-          <a:xfrm>
-            <a:off x="495299" y="4807268"/>
-            <a:ext cx="2743200" cy="205740"/>
-          </a:xfrm>
-          <a:prstGeom prst="rect">
-            <a:avLst/>
-          </a:prstGeom>
-        </p:spPr>
-        <p:txBody>
-          <a:bodyPr vert="horz" lIns="91440" tIns="45720" rIns="91440" bIns="45720" rtlCol="0" anchor="ctr"/>
-          <a:lstStyle>
-            <a:lvl1pPr algn="l">
-              <a:defRPr sz="750">
-                <a:solidFill>
-                  <a:schemeClr val="bg1"/>
-                </a:solidFill>
-              </a:defRPr>
-            </a:lvl1pPr>
-          </a:lstStyle>
-          <a:p>
-            <a:endParaRPr lang="en-US"/>
-          </a:p>
-        </p:txBody>
-      </p:sp>
-      <p:sp>
-        <p:nvSpPr>
-          <p:cNvPr id="6" name="灯片编号占位符 5"/>
-          <p:cNvSpPr>
-            <a:spLocks noGrp="1"/>
-          </p:cNvSpPr>
-          <p:nvPr>
-            <p:ph type="sldNum" sz="quarter" idx="4"/>
-          </p:nvPr>
-        </p:nvSpPr>
-        <p:spPr>
-          <a:xfrm>
-            <a:off x="5895975" y="4807268"/>
-            <a:ext cx="2743200" cy="205740"/>
-          </a:xfrm>
-          <a:prstGeom prst="rect">
-            <a:avLst/>
-          </a:prstGeom>
-        </p:spPr>
-        <p:txBody>
-          <a:bodyPr vert="horz" lIns="91440" tIns="45720" rIns="91440" bIns="45720" rtlCol="0" anchor="ctr"/>
-          <a:lstStyle>
-            <a:lvl1pPr algn="r">
-              <a:defRPr sz="750">
-                <a:solidFill>
-                  <a:schemeClr val="bg1"/>
-                </a:solidFill>
-              </a:defRPr>
-            </a:lvl1pPr>
-          </a:lstStyle>
-          <a:p>
-            <a:fld id="{C8BB1146-E542-4D4E-B8E9-6919A11DDD48}" type="slidenum">
-              <a:rPr lang="en-US" smtClean="0"/>
-              <a:pPr/>
-              <a:t>‹#›</a:t>
-            </a:fld>
-            <a:endParaRPr lang="en-US"/>
-          </a:p>
-        </p:txBody>
-      </p:sp>
     </p:spTree>
-    <p:extLst>
-      <p:ext uri="{BB962C8B-B14F-4D97-AF65-F5344CB8AC3E}">
-        <p14:creationId xmlns:p14="http://schemas.microsoft.com/office/powerpoint/2010/main" val="1203789155"/>
-      </p:ext>
-    </p:extLst>
   </p:cSld>
   <p:clrMap bg1="dk1" tx1="lt1" bg2="dk2" tx2="lt2" accent1="accent1" accent2="accent2" accent3="accent3" accent4="accent4" accent5="accent5" accent6="accent6" hlink="hlink" folHlink="folHlink"/>
   <p:sldLayoutIdLst>
-    <p:sldLayoutId id="2147483657" r:id="rId1"/>
-    <p:sldLayoutId id="2147483652" r:id="rId2"/>
-    <p:sldLayoutId id="2147483653" r:id="rId3"/>
-    <p:sldLayoutId id="2147483655" r:id="rId4"/>
-    <p:sldLayoutId id="2147483656" r:id="rId5"/>
+    <p:sldLayoutId id="2147483649" r:id="rId1"/>
+    <p:sldLayoutId id="2147483650" r:id="rId2"/>
+    <p:sldLayoutId id="2147483656" r:id="rId3"/>
+    <p:sldLayoutId id="2147483651" r:id="rId4"/>
+    <p:sldLayoutId id="2147483654" r:id="rId5"/>
+    <p:sldLayoutId id="2147483655" r:id="rId6"/>
   </p:sldLayoutIdLst>
   <p:transition/>
   <p:timing>
@@ -1945,7 +1993,7 @@
   </p:timing>
   <p:txStyles>
     <p:titleStyle>
-      <a:lvl1pPr algn="l" defTabSz="685800" rtl="0" eaLnBrk="1" latinLnBrk="0" hangingPunct="1">
+      <a:lvl1pPr algn="ctr" defTabSz="914400" rtl="0" eaLnBrk="1" latinLnBrk="0" hangingPunct="1">
         <a:lnSpc>
           <a:spcPct val="100000"/>
         </a:lnSpc>
@@ -1953,9 +2001,9 @@
           <a:spcPct val="0"/>
         </a:spcBef>
         <a:buNone/>
-        <a:defRPr sz="2100" b="1" kern="1200">
+        <a:defRPr sz="2800" b="1" kern="1200">
           <a:solidFill>
-            <a:schemeClr val="bg1"/>
+            <a:schemeClr val="tx1"/>
           </a:solidFill>
           <a:latin typeface="+mj-lt"/>
           <a:ea typeface="+mj-ea"/>
@@ -1964,106 +2012,106 @@
       </a:lvl1pPr>
     </p:titleStyle>
     <p:bodyStyle>
-      <a:lvl1pPr marL="171450" indent="-171450" algn="l" defTabSz="685800" rtl="0" eaLnBrk="1" latinLnBrk="0" hangingPunct="1">
+      <a:lvl1pPr marL="228600" indent="-228600" algn="l" defTabSz="914400" rtl="0" eaLnBrk="1" latinLnBrk="0" hangingPunct="1">
         <a:lnSpc>
           <a:spcPct val="120000"/>
         </a:lnSpc>
         <a:spcBef>
-          <a:spcPts val="750"/>
+          <a:spcPts val="1000"/>
         </a:spcBef>
         <a:buFont typeface="Arial" panose="020B0604020202020204" pitchFamily="34" charset="0"/>
         <a:buChar char="•"/>
-        <a:defRPr sz="1350" kern="1200">
+        <a:defRPr sz="1800" kern="1200">
           <a:solidFill>
-            <a:schemeClr val="bg1"/>
+            <a:schemeClr val="tx1"/>
           </a:solidFill>
           <a:latin typeface="+mn-lt"/>
           <a:ea typeface="+mn-ea"/>
           <a:cs typeface="+mn-cs"/>
         </a:defRPr>
       </a:lvl1pPr>
-      <a:lvl2pPr marL="514350" indent="-171450" algn="l" defTabSz="685800" rtl="0" eaLnBrk="1" latinLnBrk="0" hangingPunct="1">
+      <a:lvl2pPr marL="685800" indent="-228600" algn="l" defTabSz="914400" rtl="0" eaLnBrk="1" latinLnBrk="0" hangingPunct="1">
         <a:lnSpc>
           <a:spcPct val="120000"/>
         </a:lnSpc>
         <a:spcBef>
-          <a:spcPts val="375"/>
+          <a:spcPts val="500"/>
         </a:spcBef>
         <a:buFont typeface="Arial" panose="020B0604020202020204" pitchFamily="34" charset="0"/>
         <a:buChar char="•"/>
-        <a:defRPr sz="1200" kern="1200">
+        <a:defRPr sz="1600" kern="1200">
           <a:solidFill>
-            <a:schemeClr val="bg1"/>
+            <a:schemeClr val="tx1"/>
           </a:solidFill>
           <a:latin typeface="+mn-lt"/>
           <a:ea typeface="+mn-ea"/>
           <a:cs typeface="+mn-cs"/>
         </a:defRPr>
       </a:lvl2pPr>
-      <a:lvl3pPr marL="857250" indent="-171450" algn="l" defTabSz="685800" rtl="0" eaLnBrk="1" latinLnBrk="0" hangingPunct="1">
+      <a:lvl3pPr marL="1143000" indent="-228600" algn="l" defTabSz="914400" rtl="0" eaLnBrk="1" latinLnBrk="0" hangingPunct="1">
         <a:lnSpc>
           <a:spcPct val="120000"/>
         </a:lnSpc>
         <a:spcBef>
-          <a:spcPts val="375"/>
+          <a:spcPts val="500"/>
         </a:spcBef>
         <a:buFont typeface="Arial" panose="020B0604020202020204" pitchFamily="34" charset="0"/>
         <a:buChar char="•"/>
-        <a:defRPr sz="1050" kern="1200">
+        <a:defRPr sz="1400" kern="1200">
           <a:solidFill>
-            <a:schemeClr val="bg1"/>
+            <a:schemeClr val="tx1"/>
           </a:solidFill>
           <a:latin typeface="+mn-lt"/>
           <a:ea typeface="+mn-ea"/>
           <a:cs typeface="+mn-cs"/>
         </a:defRPr>
       </a:lvl3pPr>
-      <a:lvl4pPr marL="1200150" indent="-171450" algn="l" defTabSz="685800" rtl="0" eaLnBrk="1" latinLnBrk="0" hangingPunct="1">
+      <a:lvl4pPr marL="1600200" indent="-228600" algn="l" defTabSz="914400" rtl="0" eaLnBrk="1" latinLnBrk="0" hangingPunct="1">
         <a:lnSpc>
           <a:spcPct val="120000"/>
         </a:lnSpc>
         <a:spcBef>
-          <a:spcPts val="375"/>
+          <a:spcPts val="500"/>
         </a:spcBef>
         <a:buFont typeface="Arial" panose="020B0604020202020204" pitchFamily="34" charset="0"/>
         <a:buChar char="•"/>
-        <a:defRPr sz="900" kern="1200">
+        <a:defRPr sz="1200" kern="1200">
           <a:solidFill>
-            <a:schemeClr val="bg1"/>
+            <a:schemeClr val="tx1"/>
           </a:solidFill>
           <a:latin typeface="+mn-lt"/>
           <a:ea typeface="+mn-ea"/>
           <a:cs typeface="+mn-cs"/>
         </a:defRPr>
       </a:lvl4pPr>
-      <a:lvl5pPr marL="1543050" indent="-171450" algn="l" defTabSz="685800" rtl="0" eaLnBrk="1" latinLnBrk="0" hangingPunct="1">
+      <a:lvl5pPr marL="2057400" indent="-228600" algn="l" defTabSz="914400" rtl="0" eaLnBrk="1" latinLnBrk="0" hangingPunct="1">
         <a:lnSpc>
           <a:spcPct val="120000"/>
         </a:lnSpc>
         <a:spcBef>
-          <a:spcPts val="375"/>
+          <a:spcPts val="500"/>
         </a:spcBef>
         <a:buFont typeface="Arial" panose="020B0604020202020204" pitchFamily="34" charset="0"/>
         <a:buChar char="•"/>
-        <a:defRPr sz="800" kern="1200">
+        <a:defRPr sz="1050" kern="1200">
           <a:solidFill>
-            <a:schemeClr val="bg1"/>
+            <a:schemeClr val="tx1"/>
           </a:solidFill>
           <a:latin typeface="+mn-lt"/>
           <a:ea typeface="+mn-ea"/>
           <a:cs typeface="+mn-cs"/>
         </a:defRPr>
       </a:lvl5pPr>
-      <a:lvl6pPr marL="1885950" indent="-171450" algn="l" defTabSz="685800" rtl="0" eaLnBrk="1" latinLnBrk="0" hangingPunct="1">
+      <a:lvl6pPr marL="2514600" indent="-228600" algn="l" defTabSz="914400" rtl="0" eaLnBrk="1" latinLnBrk="0" hangingPunct="1">
         <a:lnSpc>
           <a:spcPct val="90000"/>
         </a:lnSpc>
         <a:spcBef>
-          <a:spcPts val="375"/>
+          <a:spcPts val="500"/>
         </a:spcBef>
         <a:buFont typeface="Arial" panose="020B0604020202020204" pitchFamily="34" charset="0"/>
         <a:buChar char="•"/>
-        <a:defRPr sz="1350" kern="1200">
+        <a:defRPr sz="1800" kern="1200">
           <a:solidFill>
             <a:schemeClr val="tx1"/>
           </a:solidFill>
@@ -2072,16 +2120,16 @@
           <a:cs typeface="+mn-cs"/>
         </a:defRPr>
       </a:lvl6pPr>
-      <a:lvl7pPr marL="2228850" indent="-171450" algn="l" defTabSz="685800" rtl="0" eaLnBrk="1" latinLnBrk="0" hangingPunct="1">
+      <a:lvl7pPr marL="2971800" indent="-228600" algn="l" defTabSz="914400" rtl="0" eaLnBrk="1" latinLnBrk="0" hangingPunct="1">
         <a:lnSpc>
           <a:spcPct val="90000"/>
         </a:lnSpc>
         <a:spcBef>
-          <a:spcPts val="375"/>
+          <a:spcPts val="500"/>
         </a:spcBef>
         <a:buFont typeface="Arial" panose="020B0604020202020204" pitchFamily="34" charset="0"/>
         <a:buChar char="•"/>
-        <a:defRPr sz="1350" kern="1200">
+        <a:defRPr sz="1800" kern="1200">
           <a:solidFill>
             <a:schemeClr val="tx1"/>
           </a:solidFill>
@@ -2090,16 +2138,16 @@
           <a:cs typeface="+mn-cs"/>
         </a:defRPr>
       </a:lvl7pPr>
-      <a:lvl8pPr marL="2571750" indent="-171450" algn="l" defTabSz="685800" rtl="0" eaLnBrk="1" latinLnBrk="0" hangingPunct="1">
+      <a:lvl8pPr marL="3429000" indent="-228600" algn="l" defTabSz="914400" rtl="0" eaLnBrk="1" latinLnBrk="0" hangingPunct="1">
         <a:lnSpc>
           <a:spcPct val="90000"/>
         </a:lnSpc>
         <a:spcBef>
-          <a:spcPts val="375"/>
+          <a:spcPts val="500"/>
         </a:spcBef>
         <a:buFont typeface="Arial" panose="020B0604020202020204" pitchFamily="34" charset="0"/>
         <a:buChar char="•"/>
-        <a:defRPr sz="1350" kern="1200">
+        <a:defRPr sz="1800" kern="1200">
           <a:solidFill>
             <a:schemeClr val="tx1"/>
           </a:solidFill>
@@ -2108,16 +2156,16 @@
           <a:cs typeface="+mn-cs"/>
         </a:defRPr>
       </a:lvl8pPr>
-      <a:lvl9pPr marL="2914650" indent="-171450" algn="l" defTabSz="685800" rtl="0" eaLnBrk="1" latinLnBrk="0" hangingPunct="1">
+      <a:lvl9pPr marL="3886200" indent="-228600" algn="l" defTabSz="914400" rtl="0" eaLnBrk="1" latinLnBrk="0" hangingPunct="1">
         <a:lnSpc>
           <a:spcPct val="90000"/>
         </a:lnSpc>
         <a:spcBef>
-          <a:spcPts val="375"/>
+          <a:spcPts val="500"/>
         </a:spcBef>
         <a:buFont typeface="Arial" panose="020B0604020202020204" pitchFamily="34" charset="0"/>
         <a:buChar char="•"/>
-        <a:defRPr sz="1350" kern="1200">
+        <a:defRPr sz="1800" kern="1200">
           <a:solidFill>
             <a:schemeClr val="tx1"/>
           </a:solidFill>
@@ -2131,8 +2179,8 @@
       <a:defPPr>
         <a:defRPr lang="en-US"/>
       </a:defPPr>
-      <a:lvl1pPr marL="0" algn="l" defTabSz="685800" rtl="0" eaLnBrk="1" latinLnBrk="0" hangingPunct="1">
-        <a:defRPr sz="1350" kern="1200">
+      <a:lvl1pPr marL="0" algn="l" defTabSz="914400" rtl="0" eaLnBrk="1" latinLnBrk="0" hangingPunct="1">
+        <a:defRPr sz="1800" kern="1200">
           <a:solidFill>
             <a:schemeClr val="tx1"/>
           </a:solidFill>
@@ -2141,8 +2189,8 @@
           <a:cs typeface="+mn-cs"/>
         </a:defRPr>
       </a:lvl1pPr>
-      <a:lvl2pPr marL="342900" algn="l" defTabSz="685800" rtl="0" eaLnBrk="1" latinLnBrk="0" hangingPunct="1">
-        <a:defRPr sz="1350" kern="1200">
+      <a:lvl2pPr marL="457200" algn="l" defTabSz="914400" rtl="0" eaLnBrk="1" latinLnBrk="0" hangingPunct="1">
+        <a:defRPr sz="1800" kern="1200">
           <a:solidFill>
             <a:schemeClr val="tx1"/>
           </a:solidFill>
@@ -2151,8 +2199,8 @@
           <a:cs typeface="+mn-cs"/>
         </a:defRPr>
       </a:lvl2pPr>
-      <a:lvl3pPr marL="685800" algn="l" defTabSz="685800" rtl="0" eaLnBrk="1" latinLnBrk="0" hangingPunct="1">
-        <a:defRPr sz="1350" kern="1200">
+      <a:lvl3pPr marL="914400" algn="l" defTabSz="914400" rtl="0" eaLnBrk="1" latinLnBrk="0" hangingPunct="1">
+        <a:defRPr sz="1800" kern="1200">
           <a:solidFill>
             <a:schemeClr val="tx1"/>
           </a:solidFill>
@@ -2161,8 +2209,8 @@
           <a:cs typeface="+mn-cs"/>
         </a:defRPr>
       </a:lvl3pPr>
-      <a:lvl4pPr marL="1028700" algn="l" defTabSz="685800" rtl="0" eaLnBrk="1" latinLnBrk="0" hangingPunct="1">
-        <a:defRPr sz="1350" kern="1200">
+      <a:lvl4pPr marL="1371600" algn="l" defTabSz="914400" rtl="0" eaLnBrk="1" latinLnBrk="0" hangingPunct="1">
+        <a:defRPr sz="1800" kern="1200">
           <a:solidFill>
             <a:schemeClr val="tx1"/>
           </a:solidFill>
@@ -2171,8 +2219,8 @@
           <a:cs typeface="+mn-cs"/>
         </a:defRPr>
       </a:lvl4pPr>
-      <a:lvl5pPr marL="1371600" algn="l" defTabSz="685800" rtl="0" eaLnBrk="1" latinLnBrk="0" hangingPunct="1">
-        <a:defRPr sz="1350" kern="1200">
+      <a:lvl5pPr marL="1828800" algn="l" defTabSz="914400" rtl="0" eaLnBrk="1" latinLnBrk="0" hangingPunct="1">
+        <a:defRPr sz="1800" kern="1200">
           <a:solidFill>
             <a:schemeClr val="tx1"/>
           </a:solidFill>
@@ -2181,8 +2229,8 @@
           <a:cs typeface="+mn-cs"/>
         </a:defRPr>
       </a:lvl5pPr>
-      <a:lvl6pPr marL="1714500" algn="l" defTabSz="685800" rtl="0" eaLnBrk="1" latinLnBrk="0" hangingPunct="1">
-        <a:defRPr sz="1350" kern="1200">
+      <a:lvl6pPr marL="2286000" algn="l" defTabSz="914400" rtl="0" eaLnBrk="1" latinLnBrk="0" hangingPunct="1">
+        <a:defRPr sz="1800" kern="1200">
           <a:solidFill>
             <a:schemeClr val="tx1"/>
           </a:solidFill>
@@ -2191,8 +2239,8 @@
           <a:cs typeface="+mn-cs"/>
         </a:defRPr>
       </a:lvl6pPr>
-      <a:lvl7pPr marL="2057400" algn="l" defTabSz="685800" rtl="0" eaLnBrk="1" latinLnBrk="0" hangingPunct="1">
-        <a:defRPr sz="1350" kern="1200">
+      <a:lvl7pPr marL="2743200" algn="l" defTabSz="914400" rtl="0" eaLnBrk="1" latinLnBrk="0" hangingPunct="1">
+        <a:defRPr sz="1800" kern="1200">
           <a:solidFill>
             <a:schemeClr val="tx1"/>
           </a:solidFill>
@@ -2201,8 +2249,8 @@
           <a:cs typeface="+mn-cs"/>
         </a:defRPr>
       </a:lvl7pPr>
-      <a:lvl8pPr marL="2400300" algn="l" defTabSz="685800" rtl="0" eaLnBrk="1" latinLnBrk="0" hangingPunct="1">
-        <a:defRPr sz="1350" kern="1200">
+      <a:lvl8pPr marL="3200400" algn="l" defTabSz="914400" rtl="0" eaLnBrk="1" latinLnBrk="0" hangingPunct="1">
+        <a:defRPr sz="1800" kern="1200">
           <a:solidFill>
             <a:schemeClr val="tx1"/>
           </a:solidFill>
@@ -2211,8 +2259,8 @@
           <a:cs typeface="+mn-cs"/>
         </a:defRPr>
       </a:lvl8pPr>
-      <a:lvl9pPr marL="2743200" algn="l" defTabSz="685800" rtl="0" eaLnBrk="1" latinLnBrk="0" hangingPunct="1">
-        <a:defRPr sz="1350" kern="1200">
+      <a:lvl9pPr marL="3657600" algn="l" defTabSz="914400" rtl="0" eaLnBrk="1" latinLnBrk="0" hangingPunct="1">
+        <a:defRPr sz="1800" kern="1200">
           <a:solidFill>
             <a:schemeClr val="tx1"/>
           </a:solidFill>
@@ -2226,32 +2274,32 @@
   <p:extLst mod="1">
     <p:ext uri="{27BBF7A9-308A-43DC-89C8-2F10F3537804}">
       <p15:sldGuideLst xmlns:p15="http://schemas.microsoft.com/office/powerpoint/2012/main">
-        <p15:guide id="1" pos="416">
+        <p15:guide id="1" pos="416" userDrawn="1">
           <p15:clr>
             <a:srgbClr val="F26B43"/>
           </p15:clr>
         </p15:guide>
-        <p15:guide id="2" pos="7256">
+        <p15:guide id="2" pos="7256" userDrawn="1">
           <p15:clr>
             <a:srgbClr val="F26B43"/>
           </p15:clr>
         </p15:guide>
-        <p15:guide id="3" orient="horz" pos="648">
+        <p15:guide id="3" orient="horz" pos="648" userDrawn="1">
           <p15:clr>
             <a:srgbClr val="F26B43"/>
           </p15:clr>
         </p15:guide>
-        <p15:guide id="4" orient="horz" pos="712">
+        <p15:guide id="4" orient="horz" pos="712" userDrawn="1">
           <p15:clr>
             <a:srgbClr val="F26B43"/>
           </p15:clr>
         </p15:guide>
-        <p15:guide id="5" orient="horz" pos="3928">
+        <p15:guide id="5" orient="horz" pos="3928" userDrawn="1">
           <p15:clr>
             <a:srgbClr val="F26B43"/>
           </p15:clr>
         </p15:guide>
-        <p15:guide id="6" orient="horz" pos="3864">
+        <p15:guide id="6" orient="horz" pos="3864" userDrawn="1">
           <p15:clr>
             <a:srgbClr val="F26B43"/>
           </p15:clr>
@@ -2260,6 +2308,17 @@
     </p:ext>
   </p:extLst>
 </p:sldMaster>
+</file>
+
+<file path=ppt/tags/tag1.xml><?xml version="1.0" encoding="utf-8"?>
+<p:tagLst xmlns:a="http://schemas.openxmlformats.org/drawingml/2006/main" xmlns:r="http://schemas.openxmlformats.org/officeDocument/2006/relationships" xmlns:p="http://schemas.openxmlformats.org/presentationml/2006/main">
+  <p:tag name="AS_NET" val="8.0.0"/>
+  <p:tag name="AS_OS" val="Microsoft Windows NT 10.0.22631.0"/>
+  <p:tag name="AS_RELEASE_DATE" val="2023.10.14"/>
+  <p:tag name="AS_TITLE" val="Aspose.Slides for .NET6"/>
+  <p:tag name="AS_VERSION" val="23.10"/>
+  <p:tag name="ISLIDE.GUIDESSETTING" val="{&quot;Id&quot;:&quot;GuidesStyle_Normal&quot;,&quot;Name&quot;:&quot;GuidesStyle_Normal&quot;,&quot;Kind&quot;:0,&quot;OldGuidesSetting&quot;:{&quot;HeaderHeight&quot;:15.0,&quot;FooterHeight&quot;:9.0,&quot;SideMargin&quot;:5.5,&quot;TopMargin&quot;:0.0,&quot;BottomMargin&quot;:0.0,&quot;IntervalMargin&quot;:1.5}}"/>
+</p:tagLst>
 </file>
 
 <file path=ppt/theme/theme1.xml><?xml version="1.0" encoding="utf-8"?>
@@ -2464,7 +2523,7 @@
 </file>
 
 <file path=ppt/theme/theme2.xml><?xml version="1.0" encoding="utf-8"?>
-<a:theme xmlns:a="http://schemas.openxmlformats.org/drawingml/2006/main" name="Office 主题">
+<a:theme xmlns:a="http://schemas.openxmlformats.org/drawingml/2006/main" name="Office 主题​​">
   <a:themeElements>
     <a:clrScheme name="Office">
       <a:dk1>
@@ -2480,7 +2539,7 @@
         <a:srgbClr val="E7E6E6"/>
       </a:lt2>
       <a:accent1>
-        <a:srgbClr val="5B9BD5"/>
+        <a:srgbClr val="4472C4"/>
       </a:accent1>
       <a:accent2>
         <a:srgbClr val="ED7D31"/>
@@ -2492,7 +2551,7 @@
         <a:srgbClr val="FFC000"/>
       </a:accent4>
       <a:accent5>
-        <a:srgbClr val="4472C4"/>
+        <a:srgbClr val="5B9BD5"/>
       </a:accent5>
       <a:accent6>
         <a:srgbClr val="70AD47"/>
@@ -2506,12 +2565,12 @@
     </a:clrScheme>
     <a:fontScheme name="Office">
       <a:majorFont>
-        <a:latin typeface="Calibri Light" panose="020F0302020204030204"/>
-        <a:ea typeface=""/>
-        <a:cs typeface=""/>
-        <a:font script="Jpan" typeface="ＭＳ Ｐゴシック"/>
+        <a:latin typeface="等线 Light" panose="020F0302020204030204"/>
+        <a:ea typeface="等线 Light" panose="020F0302020204030204"/>
+        <a:cs typeface="Arial"/>
+        <a:font script="Jpan" typeface="游ゴシック Light"/>
         <a:font script="Hang" typeface="맑은 고딕"/>
-        <a:font script="Hans" typeface="宋体"/>
+        <a:font script="Hans" typeface="等线 Light"/>
         <a:font script="Hant" typeface="新細明體"/>
         <a:font script="Arab" typeface="Times New Roman"/>
         <a:font script="Hebr" typeface="Times New Roman"/>
@@ -2539,14 +2598,31 @@
         <a:font script="Viet" typeface="Times New Roman"/>
         <a:font script="Uigh" typeface="Microsoft Uighur"/>
         <a:font script="Geor" typeface="Sylfaen"/>
+        <a:font script="Armn" typeface="Arial"/>
+        <a:font script="Bugi" typeface="Leelawadee UI"/>
+        <a:font script="Bopo" typeface="Microsoft JhengHei"/>
+        <a:font script="Java" typeface="Javanese Text"/>
+        <a:font script="Lisu" typeface="Segoe UI"/>
+        <a:font script="Mymr" typeface="Myanmar Text"/>
+        <a:font script="Nkoo" typeface="Ebrima"/>
+        <a:font script="Olck" typeface="Nirmala UI"/>
+        <a:font script="Osma" typeface="Ebrima"/>
+        <a:font script="Phag" typeface="Phagspa"/>
+        <a:font script="Syrn" typeface="Estrangelo Edessa"/>
+        <a:font script="Syrj" typeface="Estrangelo Edessa"/>
+        <a:font script="Syre" typeface="Estrangelo Edessa"/>
+        <a:font script="Sora" typeface="Nirmala UI"/>
+        <a:font script="Tale" typeface="Microsoft Tai Le"/>
+        <a:font script="Talu" typeface="Microsoft New Tai Lue"/>
+        <a:font script="Tfng" typeface="Ebrima"/>
       </a:majorFont>
       <a:minorFont>
-        <a:latin typeface="Calibri" panose="020F0502020204030204"/>
-        <a:ea typeface=""/>
-        <a:cs typeface=""/>
-        <a:font script="Jpan" typeface="ＭＳ Ｐゴシック"/>
+        <a:latin typeface="等线" panose="020F0502020204030204"/>
+        <a:ea typeface="等线" panose="020F0502020204030204"/>
+        <a:cs typeface="Arial"/>
+        <a:font script="Jpan" typeface="游ゴシック"/>
         <a:font script="Hang" typeface="맑은 고딕"/>
-        <a:font script="Hans" typeface="宋体"/>
+        <a:font script="Hans" typeface="等线"/>
         <a:font script="Hant" typeface="新細明體"/>
         <a:font script="Arab" typeface="Arial"/>
         <a:font script="Hebr" typeface="Arial"/>
@@ -2574,6 +2650,23 @@
         <a:font script="Viet" typeface="Arial"/>
         <a:font script="Uigh" typeface="Microsoft Uighur"/>
         <a:font script="Geor" typeface="Sylfaen"/>
+        <a:font script="Armn" typeface="Arial"/>
+        <a:font script="Bugi" typeface="Leelawadee UI"/>
+        <a:font script="Bopo" typeface="Microsoft JhengHei"/>
+        <a:font script="Java" typeface="Javanese Text"/>
+        <a:font script="Lisu" typeface="Segoe UI"/>
+        <a:font script="Mymr" typeface="Myanmar Text"/>
+        <a:font script="Nkoo" typeface="Ebrima"/>
+        <a:font script="Olck" typeface="Nirmala UI"/>
+        <a:font script="Osma" typeface="Ebrima"/>
+        <a:font script="Phag" typeface="Phagspa"/>
+        <a:font script="Syrn" typeface="Estrangelo Edessa"/>
+        <a:font script="Syrj" typeface="Estrangelo Edessa"/>
+        <a:font script="Syre" typeface="Estrangelo Edessa"/>
+        <a:font script="Sora" typeface="Nirmala UI"/>
+        <a:font script="Tale" typeface="Microsoft Tai Le"/>
+        <a:font script="Talu" typeface="Microsoft New Tai Lue"/>
+        <a:font script="Tfng" typeface="Ebrima"/>
       </a:minorFont>
     </a:fontScheme>
     <a:fmtScheme name="Office">
